--- a/docs/res/Notes.pptx
+++ b/docs/res/Notes.pptx
@@ -6,6 +6,7 @@
   </p:sldMasterIdLst>
   <p:sldIdLst>
     <p:sldId id="256" r:id="rId3"/>
+    <p:sldId id="257" r:id="rId4"/>
   </p:sldIdLst>
   <p:sldSz cx="12192000" cy="6858000"/>
   <p:notesSz cx="6858000" cy="9144000"/>
@@ -3365,6 +3366,412 @@
 </p:sld>
 </file>
 
+<file path=ppt/slides/slide2.xml><?xml version="1.0" encoding="utf-8"?>
+<p:sld xmlns:a="http://schemas.openxmlformats.org/drawingml/2006/main" xmlns:r="http://schemas.openxmlformats.org/officeDocument/2006/relationships" xmlns:p="http://schemas.openxmlformats.org/presentationml/2006/main">
+  <p:cSld>
+    <p:spTree>
+      <p:nvGrpSpPr>
+        <p:cNvPr id="1" name=""/>
+        <p:cNvGrpSpPr/>
+        <p:nvPr/>
+      </p:nvGrpSpPr>
+      <p:grpSpPr/>
+      <p:pic>
+        <p:nvPicPr>
+          <p:cNvPr id="4" name="Picture 3"/>
+          <p:cNvPicPr>
+            <a:picLocks noChangeAspect="1"/>
+          </p:cNvPicPr>
+          <p:nvPr/>
+        </p:nvPicPr>
+        <p:blipFill>
+          <a:blip r:embed="rId1"/>
+          <a:stretch>
+            <a:fillRect/>
+          </a:stretch>
+        </p:blipFill>
+        <p:spPr>
+          <a:xfrm>
+            <a:off x="324485" y="870585"/>
+            <a:ext cx="3178175" cy="5647690"/>
+          </a:xfrm>
+          <a:prstGeom prst="rect">
+            <a:avLst/>
+          </a:prstGeom>
+        </p:spPr>
+      </p:pic>
+      <p:sp>
+        <p:nvSpPr>
+          <p:cNvPr id="5" name="Text Box 4"/>
+          <p:cNvSpPr txBox="1"/>
+          <p:nvPr/>
+        </p:nvSpPr>
+        <p:spPr>
+          <a:xfrm>
+            <a:off x="482600" y="1257935"/>
+            <a:ext cx="2734945" cy="344805"/>
+          </a:xfrm>
+          <a:prstGeom prst="rect">
+            <a:avLst/>
+          </a:prstGeom>
+          <a:noFill/>
+        </p:spPr>
+        <p:txBody>
+          <a:bodyPr wrap="square" rtlCol="0">
+            <a:noAutofit/>
+          </a:bodyPr>
+          <a:p>
+            <a:pPr algn="ctr"/>
+            <a:r>
+              <a:rPr lang="en-US"/>
+              <a:t>En Tay</a:t>
+            </a:r>
+            <a:endParaRPr lang="en-US"/>
+          </a:p>
+        </p:txBody>
+      </p:sp>
+      <p:sp>
+        <p:nvSpPr>
+          <p:cNvPr id="6" name="Rounded Rectangle 5"/>
+          <p:cNvSpPr/>
+          <p:nvPr/>
+        </p:nvSpPr>
+        <p:spPr>
+          <a:xfrm>
+            <a:off x="1228725" y="1624330"/>
+            <a:ext cx="1378585" cy="321310"/>
+          </a:xfrm>
+          <a:prstGeom prst="roundRect">
+            <a:avLst/>
+          </a:prstGeom>
+        </p:spPr>
+        <p:style>
+          <a:lnRef idx="2">
+            <a:schemeClr val="accent1">
+              <a:lumMod val="75000"/>
+            </a:schemeClr>
+          </a:lnRef>
+          <a:fillRef idx="1">
+            <a:schemeClr val="accent1"/>
+          </a:fillRef>
+          <a:effectRef idx="0">
+            <a:srgbClr val="FFFFFF"/>
+          </a:effectRef>
+          <a:fontRef idx="minor">
+            <a:schemeClr val="lt1"/>
+          </a:fontRef>
+        </p:style>
+        <p:txBody>
+          <a:bodyPr rtlCol="0" anchor="ctr"/>
+          <a:p>
+            <a:pPr algn="ctr"/>
+            <a:r>
+              <a:rPr lang="en-US"/>
+              <a:t>Pesan</a:t>
+            </a:r>
+            <a:endParaRPr lang="en-US"/>
+          </a:p>
+        </p:txBody>
+      </p:sp>
+      <p:pic>
+        <p:nvPicPr>
+          <p:cNvPr id="7" name="Picture 6"/>
+          <p:cNvPicPr>
+            <a:picLocks noChangeAspect="1"/>
+          </p:cNvPicPr>
+          <p:nvPr/>
+        </p:nvPicPr>
+        <p:blipFill>
+          <a:blip r:embed="rId1"/>
+          <a:stretch>
+            <a:fillRect/>
+          </a:stretch>
+        </p:blipFill>
+        <p:spPr>
+          <a:xfrm>
+            <a:off x="4175125" y="870585"/>
+            <a:ext cx="3178175" cy="5647690"/>
+          </a:xfrm>
+          <a:prstGeom prst="rect">
+            <a:avLst/>
+          </a:prstGeom>
+        </p:spPr>
+      </p:pic>
+      <p:pic>
+        <p:nvPicPr>
+          <p:cNvPr id="13" name="Picture 12"/>
+          <p:cNvPicPr>
+            <a:picLocks noChangeAspect="1"/>
+          </p:cNvPicPr>
+          <p:nvPr/>
+        </p:nvPicPr>
+        <p:blipFill>
+          <a:blip r:embed="rId2">
+            <a:clrChange>
+              <a:clrFrom>
+                <a:srgbClr val="FFFFFF">
+                  <a:alpha val="100000"/>
+                </a:srgbClr>
+              </a:clrFrom>
+              <a:clrTo>
+                <a:srgbClr val="FFFFFF">
+                  <a:alpha val="100000"/>
+                  <a:alpha val="0"/>
+                </a:srgbClr>
+              </a:clrTo>
+            </a:clrChange>
+          </a:blip>
+          <a:stretch>
+            <a:fillRect/>
+          </a:stretch>
+        </p:blipFill>
+        <p:spPr>
+          <a:xfrm>
+            <a:off x="4939030" y="1945640"/>
+            <a:ext cx="354330" cy="304165"/>
+          </a:xfrm>
+          <a:prstGeom prst="rect">
+            <a:avLst/>
+          </a:prstGeom>
+        </p:spPr>
+      </p:pic>
+      <p:sp>
+        <p:nvSpPr>
+          <p:cNvPr id="14" name="Text Box 13"/>
+          <p:cNvSpPr txBox="1"/>
+          <p:nvPr/>
+        </p:nvSpPr>
+        <p:spPr>
+          <a:xfrm>
+            <a:off x="4864735" y="2223135"/>
+            <a:ext cx="530225" cy="287020"/>
+          </a:xfrm>
+          <a:prstGeom prst="rect">
+            <a:avLst/>
+          </a:prstGeom>
+          <a:noFill/>
+        </p:spPr>
+        <p:txBody>
+          <a:bodyPr wrap="square" rtlCol="0">
+            <a:noAutofit/>
+          </a:bodyPr>
+          <a:p>
+            <a:r>
+              <a:rPr lang="en-US" sz="1200"/>
+              <a:t>Send</a:t>
+            </a:r>
+            <a:endParaRPr lang="en-US" sz="1200"/>
+          </a:p>
+        </p:txBody>
+      </p:sp>
+      <p:sp>
+        <p:nvSpPr>
+          <p:cNvPr id="16" name="Text Box 15"/>
+          <p:cNvSpPr txBox="1"/>
+          <p:nvPr/>
+        </p:nvSpPr>
+        <p:spPr>
+          <a:xfrm>
+            <a:off x="6210935" y="2223135"/>
+            <a:ext cx="530225" cy="287020"/>
+          </a:xfrm>
+          <a:prstGeom prst="rect">
+            <a:avLst/>
+          </a:prstGeom>
+          <a:noFill/>
+        </p:spPr>
+        <p:txBody>
+          <a:bodyPr wrap="square" rtlCol="0">
+            <a:noAutofit/>
+          </a:bodyPr>
+          <a:p>
+            <a:r>
+              <a:rPr lang="en-US" sz="1200"/>
+              <a:t>Send</a:t>
+            </a:r>
+            <a:endParaRPr lang="en-US" sz="1200"/>
+          </a:p>
+        </p:txBody>
+      </p:sp>
+      <p:pic>
+        <p:nvPicPr>
+          <p:cNvPr id="17" name="Picture 16"/>
+          <p:cNvPicPr>
+            <a:picLocks noChangeAspect="1"/>
+          </p:cNvPicPr>
+          <p:nvPr/>
+        </p:nvPicPr>
+        <p:blipFill>
+          <a:blip r:embed="rId3">
+            <a:clrChange>
+              <a:clrFrom>
+                <a:srgbClr val="FFFFFF">
+                  <a:alpha val="100000"/>
+                </a:srgbClr>
+              </a:clrFrom>
+              <a:clrTo>
+                <a:srgbClr val="FFFFFF">
+                  <a:alpha val="100000"/>
+                  <a:alpha val="0"/>
+                </a:srgbClr>
+              </a:clrTo>
+            </a:clrChange>
+          </a:blip>
+          <a:stretch>
+            <a:fillRect/>
+          </a:stretch>
+        </p:blipFill>
+        <p:spPr>
+          <a:xfrm>
+            <a:off x="6286500" y="1898015"/>
+            <a:ext cx="338455" cy="356870"/>
+          </a:xfrm>
+          <a:prstGeom prst="rect">
+            <a:avLst/>
+          </a:prstGeom>
+        </p:spPr>
+      </p:pic>
+      <p:sp>
+        <p:nvSpPr>
+          <p:cNvPr id="18" name="Rectangles 17"/>
+          <p:cNvSpPr/>
+          <p:nvPr/>
+        </p:nvSpPr>
+        <p:spPr>
+          <a:xfrm>
+            <a:off x="344170" y="388620"/>
+            <a:ext cx="3164205" cy="483235"/>
+          </a:xfrm>
+          <a:prstGeom prst="rect">
+            <a:avLst/>
+          </a:prstGeom>
+        </p:spPr>
+        <p:style>
+          <a:lnRef idx="2">
+            <a:schemeClr val="accent1">
+              <a:lumMod val="75000"/>
+            </a:schemeClr>
+          </a:lnRef>
+          <a:fillRef idx="1">
+            <a:schemeClr val="accent1"/>
+          </a:fillRef>
+          <a:effectRef idx="0">
+            <a:srgbClr val="FFFFFF"/>
+          </a:effectRef>
+          <a:fontRef idx="minor">
+            <a:schemeClr val="lt1"/>
+          </a:fontRef>
+        </p:style>
+        <p:txBody>
+          <a:bodyPr rtlCol="0" anchor="ctr"/>
+          <a:p>
+            <a:pPr algn="l"/>
+            <a:r>
+              <a:rPr lang="en-US"/>
+              <a:t>UTS</a:t>
+            </a:r>
+            <a:endParaRPr lang="en-US"/>
+          </a:p>
+        </p:txBody>
+      </p:sp>
+      <p:sp>
+        <p:nvSpPr>
+          <p:cNvPr id="19" name="Rectangles 18"/>
+          <p:cNvSpPr/>
+          <p:nvPr/>
+        </p:nvSpPr>
+        <p:spPr>
+          <a:xfrm>
+            <a:off x="4175125" y="387350"/>
+            <a:ext cx="3164205" cy="483235"/>
+          </a:xfrm>
+          <a:prstGeom prst="rect">
+            <a:avLst/>
+          </a:prstGeom>
+        </p:spPr>
+        <p:style>
+          <a:lnRef idx="2">
+            <a:schemeClr val="accent1">
+              <a:lumMod val="75000"/>
+            </a:schemeClr>
+          </a:lnRef>
+          <a:fillRef idx="1">
+            <a:schemeClr val="accent1"/>
+          </a:fillRef>
+          <a:effectRef idx="0">
+            <a:srgbClr val="FFFFFF"/>
+          </a:effectRef>
+          <a:fontRef idx="minor">
+            <a:schemeClr val="lt1"/>
+          </a:fontRef>
+        </p:style>
+        <p:txBody>
+          <a:bodyPr rtlCol="0" anchor="ctr"/>
+          <a:p>
+            <a:pPr algn="l"/>
+            <a:r>
+              <a:rPr lang="en-US" sz="2400"/>
+              <a:t> ⬅</a:t>
+            </a:r>
+            <a:r>
+              <a:rPr lang="en-US"/>
+              <a:t> Halaman 2</a:t>
+            </a:r>
+            <a:endParaRPr lang="en-US"/>
+          </a:p>
+        </p:txBody>
+      </p:sp>
+      <p:sp>
+        <p:nvSpPr>
+          <p:cNvPr id="2" name="Rounded Rectangle 1"/>
+          <p:cNvSpPr/>
+          <p:nvPr/>
+        </p:nvSpPr>
+        <p:spPr>
+          <a:xfrm>
+            <a:off x="4709795" y="1386205"/>
+            <a:ext cx="2158365" cy="337820"/>
+          </a:xfrm>
+          <a:prstGeom prst="roundRect">
+            <a:avLst/>
+          </a:prstGeom>
+        </p:spPr>
+        <p:style>
+          <a:lnRef idx="2">
+            <a:schemeClr val="accent1">
+              <a:lumMod val="75000"/>
+            </a:schemeClr>
+          </a:lnRef>
+          <a:fillRef idx="1">
+            <a:schemeClr val="accent1"/>
+          </a:fillRef>
+          <a:effectRef idx="0">
+            <a:srgbClr val="FFFFFF"/>
+          </a:effectRef>
+          <a:fontRef idx="minor">
+            <a:schemeClr val="lt1"/>
+          </a:fontRef>
+        </p:style>
+        <p:txBody>
+          <a:bodyPr rtlCol="0" anchor="ctr"/>
+          <a:p>
+            <a:pPr algn="ctr"/>
+            <a:r>
+              <a:rPr lang="en-US"/>
+              <a:t>Kembali</a:t>
+            </a:r>
+            <a:endParaRPr lang="en-US"/>
+          </a:p>
+        </p:txBody>
+      </p:sp>
+    </p:spTree>
+  </p:cSld>
+  <p:clrMapOvr>
+    <a:masterClrMapping/>
+  </p:clrMapOvr>
+</p:sld>
+</file>
+
 <file path=ppt/theme/theme1.xml><?xml version="1.0" encoding="utf-8"?>
 <a:theme xmlns:a="http://schemas.openxmlformats.org/drawingml/2006/main" name="Office Theme">
   <a:themeElements>

--- a/docs/res/Notes.pptx
+++ b/docs/res/Notes.pptx
@@ -7,6 +7,7 @@
   <p:sldIdLst>
     <p:sldId id="256" r:id="rId3"/>
     <p:sldId id="257" r:id="rId4"/>
+    <p:sldId id="258" r:id="rId5"/>
   </p:sldIdLst>
   <p:sldSz cx="12192000" cy="6858000"/>
   <p:notesSz cx="6858000" cy="9144000"/>
@@ -3772,6 +3773,440 @@
 </p:sld>
 </file>
 
+<file path=ppt/slides/slide3.xml><?xml version="1.0" encoding="utf-8"?>
+<p:sld xmlns:a="http://schemas.openxmlformats.org/drawingml/2006/main" xmlns:r="http://schemas.openxmlformats.org/officeDocument/2006/relationships" xmlns:p="http://schemas.openxmlformats.org/presentationml/2006/main">
+  <p:cSld>
+    <p:spTree>
+      <p:nvGrpSpPr>
+        <p:cNvPr id="1" name=""/>
+        <p:cNvGrpSpPr/>
+        <p:nvPr/>
+      </p:nvGrpSpPr>
+      <p:grpSpPr/>
+      <p:pic>
+        <p:nvPicPr>
+          <p:cNvPr id="2" name="Picture 1"/>
+          <p:cNvPicPr/>
+          <p:nvPr/>
+        </p:nvPicPr>
+        <p:blipFill>
+          <a:blip r:embed="rId1"/>
+          <a:stretch>
+            <a:fillRect/>
+          </a:stretch>
+        </p:blipFill>
+        <p:spPr>
+          <a:xfrm>
+            <a:off x="343535" y="870585"/>
+            <a:ext cx="3164840" cy="5622925"/>
+          </a:xfrm>
+          <a:prstGeom prst="rect">
+            <a:avLst/>
+          </a:prstGeom>
+          <a:noFill/>
+          <a:ln w="9525">
+            <a:noFill/>
+          </a:ln>
+        </p:spPr>
+      </p:pic>
+      <p:pic>
+        <p:nvPicPr>
+          <p:cNvPr id="100" name="Picture 99"/>
+          <p:cNvPicPr/>
+          <p:nvPr/>
+        </p:nvPicPr>
+        <p:blipFill>
+          <a:blip r:embed="rId1"/>
+          <a:stretch>
+            <a:fillRect/>
+          </a:stretch>
+        </p:blipFill>
+        <p:spPr>
+          <a:xfrm>
+            <a:off x="4175125" y="871855"/>
+            <a:ext cx="3164840" cy="5622925"/>
+          </a:xfrm>
+          <a:prstGeom prst="rect">
+            <a:avLst/>
+          </a:prstGeom>
+          <a:noFill/>
+          <a:ln w="9525">
+            <a:noFill/>
+          </a:ln>
+        </p:spPr>
+      </p:pic>
+      <p:sp>
+        <p:nvSpPr>
+          <p:cNvPr id="5" name="Text Box 4"/>
+          <p:cNvSpPr txBox="1"/>
+          <p:nvPr/>
+        </p:nvSpPr>
+        <p:spPr>
+          <a:xfrm>
+            <a:off x="4604385" y="1082040"/>
+            <a:ext cx="2136140" cy="520065"/>
+          </a:xfrm>
+          <a:prstGeom prst="rect">
+            <a:avLst/>
+          </a:prstGeom>
+          <a:noFill/>
+        </p:spPr>
+        <p:txBody>
+          <a:bodyPr wrap="square" rtlCol="0">
+            <a:noAutofit/>
+          </a:bodyPr>
+          <a:p>
+            <a:pPr algn="ctr"/>
+            <a:r>
+              <a:rPr lang="en-US" sz="3200">
+                <a:solidFill>
+                  <a:schemeClr val="bg1"/>
+                </a:solidFill>
+              </a:rPr>
+              <a:t>En Tay</a:t>
+            </a:r>
+            <a:endParaRPr lang="en-US" sz="3200">
+              <a:solidFill>
+                <a:schemeClr val="bg1"/>
+              </a:solidFill>
+            </a:endParaRPr>
+          </a:p>
+        </p:txBody>
+      </p:sp>
+      <p:sp>
+        <p:nvSpPr>
+          <p:cNvPr id="6" name="Rounded Rectangle 5"/>
+          <p:cNvSpPr/>
+          <p:nvPr/>
+        </p:nvSpPr>
+        <p:spPr>
+          <a:xfrm>
+            <a:off x="1202690" y="2708910"/>
+            <a:ext cx="1508125" cy="454025"/>
+          </a:xfrm>
+          <a:prstGeom prst="roundRect">
+            <a:avLst/>
+          </a:prstGeom>
+          <a:solidFill>
+            <a:schemeClr val="bg1"/>
+          </a:solidFill>
+        </p:spPr>
+        <p:style>
+          <a:lnRef idx="2">
+            <a:schemeClr val="accent1">
+              <a:lumMod val="75000"/>
+            </a:schemeClr>
+          </a:lnRef>
+          <a:fillRef idx="1">
+            <a:schemeClr val="accent1"/>
+          </a:fillRef>
+          <a:effectRef idx="0">
+            <a:srgbClr val="FFFFFF"/>
+          </a:effectRef>
+          <a:fontRef idx="minor">
+            <a:schemeClr val="lt1"/>
+          </a:fontRef>
+        </p:style>
+        <p:txBody>
+          <a:bodyPr rtlCol="0" anchor="ctr"/>
+          <a:p>
+            <a:pPr algn="ctr"/>
+            <a:r>
+              <a:rPr lang="en-US">
+                <a:solidFill>
+                  <a:schemeClr val="tx1"/>
+                </a:solidFill>
+              </a:rPr>
+              <a:t>LOGIN</a:t>
+            </a:r>
+            <a:endParaRPr lang="en-US">
+              <a:solidFill>
+                <a:schemeClr val="tx1"/>
+              </a:solidFill>
+            </a:endParaRPr>
+          </a:p>
+        </p:txBody>
+      </p:sp>
+      <p:sp>
+        <p:nvSpPr>
+          <p:cNvPr id="18" name="Rectangles 17"/>
+          <p:cNvSpPr/>
+          <p:nvPr/>
+        </p:nvSpPr>
+        <p:spPr>
+          <a:xfrm>
+            <a:off x="344170" y="388620"/>
+            <a:ext cx="3164205" cy="483235"/>
+          </a:xfrm>
+          <a:prstGeom prst="rect">
+            <a:avLst/>
+          </a:prstGeom>
+        </p:spPr>
+        <p:style>
+          <a:lnRef idx="2">
+            <a:schemeClr val="accent1">
+              <a:lumMod val="75000"/>
+            </a:schemeClr>
+          </a:lnRef>
+          <a:fillRef idx="1">
+            <a:schemeClr val="accent1"/>
+          </a:fillRef>
+          <a:effectRef idx="0">
+            <a:srgbClr val="FFFFFF"/>
+          </a:effectRef>
+          <a:fontRef idx="minor">
+            <a:schemeClr val="lt1"/>
+          </a:fontRef>
+        </p:style>
+        <p:txBody>
+          <a:bodyPr rtlCol="0" anchor="ctr"/>
+          <a:p>
+            <a:pPr algn="l"/>
+            <a:r>
+              <a:rPr lang="en-US"/>
+              <a:t>UTS</a:t>
+            </a:r>
+            <a:endParaRPr lang="en-US"/>
+          </a:p>
+        </p:txBody>
+      </p:sp>
+      <p:sp>
+        <p:nvSpPr>
+          <p:cNvPr id="19" name="Rectangles 18"/>
+          <p:cNvSpPr/>
+          <p:nvPr/>
+        </p:nvSpPr>
+        <p:spPr>
+          <a:xfrm>
+            <a:off x="4175125" y="387350"/>
+            <a:ext cx="3164205" cy="483235"/>
+          </a:xfrm>
+          <a:prstGeom prst="rect">
+            <a:avLst/>
+          </a:prstGeom>
+        </p:spPr>
+        <p:style>
+          <a:lnRef idx="2">
+            <a:schemeClr val="accent1">
+              <a:lumMod val="75000"/>
+            </a:schemeClr>
+          </a:lnRef>
+          <a:fillRef idx="1">
+            <a:schemeClr val="accent1"/>
+          </a:fillRef>
+          <a:effectRef idx="0">
+            <a:srgbClr val="FFFFFF"/>
+          </a:effectRef>
+          <a:fontRef idx="minor">
+            <a:schemeClr val="lt1"/>
+          </a:fontRef>
+        </p:style>
+        <p:txBody>
+          <a:bodyPr rtlCol="0" anchor="ctr"/>
+          <a:p>
+            <a:pPr algn="l"/>
+            <a:r>
+              <a:rPr lang="en-US" sz="2400"/>
+              <a:t> ⬅</a:t>
+            </a:r>
+            <a:r>
+              <a:rPr lang="en-US"/>
+              <a:t> HALAMAN LOGIN</a:t>
+            </a:r>
+            <a:endParaRPr lang="en-US"/>
+          </a:p>
+        </p:txBody>
+      </p:sp>
+      <p:pic>
+        <p:nvPicPr>
+          <p:cNvPr id="3" name="Picture 2"/>
+          <p:cNvPicPr>
+            <a:picLocks noChangeAspect="1"/>
+          </p:cNvPicPr>
+          <p:nvPr/>
+        </p:nvPicPr>
+        <p:blipFill>
+          <a:blip r:embed="rId2"/>
+          <a:stretch>
+            <a:fillRect/>
+          </a:stretch>
+        </p:blipFill>
+        <p:spPr>
+          <a:xfrm>
+            <a:off x="1278890" y="1257300"/>
+            <a:ext cx="1293495" cy="1293495"/>
+          </a:xfrm>
+          <a:prstGeom prst="rect">
+            <a:avLst/>
+          </a:prstGeom>
+        </p:spPr>
+      </p:pic>
+      <p:pic>
+        <p:nvPicPr>
+          <p:cNvPr id="8" name="Picture 7"/>
+          <p:cNvPicPr>
+            <a:picLocks noChangeAspect="1"/>
+          </p:cNvPicPr>
+          <p:nvPr/>
+        </p:nvPicPr>
+        <p:blipFill>
+          <a:blip r:embed="rId3">
+            <a:clrChange>
+              <a:clrFrom>
+                <a:srgbClr val="FFFFFF">
+                  <a:alpha val="100000"/>
+                </a:srgbClr>
+              </a:clrFrom>
+              <a:clrTo>
+                <a:srgbClr val="FFFFFF">
+                  <a:alpha val="100000"/>
+                  <a:alpha val="0"/>
+                </a:srgbClr>
+              </a:clrTo>
+            </a:clrChange>
+            <a:biLevel thresh="50000"/>
+          </a:blip>
+          <a:stretch>
+            <a:fillRect/>
+          </a:stretch>
+        </p:blipFill>
+        <p:spPr>
+          <a:xfrm>
+            <a:off x="4697095" y="1829435"/>
+            <a:ext cx="933450" cy="803275"/>
+          </a:xfrm>
+          <a:prstGeom prst="rect">
+            <a:avLst/>
+          </a:prstGeom>
+        </p:spPr>
+      </p:pic>
+      <p:pic>
+        <p:nvPicPr>
+          <p:cNvPr id="9" name="Picture 8"/>
+          <p:cNvPicPr>
+            <a:picLocks noChangeAspect="1"/>
+          </p:cNvPicPr>
+          <p:nvPr/>
+        </p:nvPicPr>
+        <p:blipFill>
+          <a:blip r:embed="rId4">
+            <a:clrChange>
+              <a:clrFrom>
+                <a:srgbClr val="FFFFFF">
+                  <a:alpha val="100000"/>
+                </a:srgbClr>
+              </a:clrFrom>
+              <a:clrTo>
+                <a:srgbClr val="FFFFFF">
+                  <a:alpha val="100000"/>
+                  <a:alpha val="0"/>
+                </a:srgbClr>
+              </a:clrTo>
+            </a:clrChange>
+            <a:biLevel thresh="50000"/>
+          </a:blip>
+          <a:srcRect r="13027"/>
+          <a:stretch>
+            <a:fillRect/>
+          </a:stretch>
+        </p:blipFill>
+        <p:spPr>
+          <a:xfrm>
+            <a:off x="5909945" y="1813560"/>
+            <a:ext cx="720725" cy="828675"/>
+          </a:xfrm>
+          <a:prstGeom prst="rect">
+            <a:avLst/>
+          </a:prstGeom>
+        </p:spPr>
+      </p:pic>
+      <p:pic>
+        <p:nvPicPr>
+          <p:cNvPr id="10" name="Picture 9"/>
+          <p:cNvPicPr>
+            <a:picLocks noChangeAspect="1"/>
+          </p:cNvPicPr>
+          <p:nvPr/>
+        </p:nvPicPr>
+        <p:blipFill>
+          <a:blip r:embed="rId5">
+            <a:clrChange>
+              <a:clrFrom>
+                <a:srgbClr val="FFFFFF">
+                  <a:alpha val="100000"/>
+                </a:srgbClr>
+              </a:clrFrom>
+              <a:clrTo>
+                <a:srgbClr val="FFFFFF">
+                  <a:alpha val="100000"/>
+                  <a:alpha val="0"/>
+                </a:srgbClr>
+              </a:clrTo>
+            </a:clrChange>
+            <a:biLevel thresh="50000"/>
+          </a:blip>
+          <a:srcRect t="12263" b="12320"/>
+          <a:stretch>
+            <a:fillRect/>
+          </a:stretch>
+        </p:blipFill>
+        <p:spPr>
+          <a:xfrm>
+            <a:off x="4697095" y="2995295"/>
+            <a:ext cx="933450" cy="831850"/>
+          </a:xfrm>
+          <a:prstGeom prst="rect">
+            <a:avLst/>
+          </a:prstGeom>
+        </p:spPr>
+      </p:pic>
+      <p:pic>
+        <p:nvPicPr>
+          <p:cNvPr id="15" name="Picture 14"/>
+          <p:cNvPicPr>
+            <a:picLocks noChangeAspect="1"/>
+          </p:cNvPicPr>
+          <p:nvPr/>
+        </p:nvPicPr>
+        <p:blipFill>
+          <a:blip r:embed="rId6">
+            <a:clrChange>
+              <a:clrFrom>
+                <a:srgbClr val="FFFFFF">
+                  <a:alpha val="100000"/>
+                </a:srgbClr>
+              </a:clrFrom>
+              <a:clrTo>
+                <a:srgbClr val="FFFFFF">
+                  <a:alpha val="100000"/>
+                  <a:alpha val="0"/>
+                </a:srgbClr>
+              </a:clrTo>
+            </a:clrChange>
+            <a:biLevel thresh="50000"/>
+          </a:blip>
+          <a:stretch>
+            <a:fillRect/>
+          </a:stretch>
+        </p:blipFill>
+        <p:spPr>
+          <a:xfrm>
+            <a:off x="5909945" y="2995295"/>
+            <a:ext cx="720725" cy="831850"/>
+          </a:xfrm>
+          <a:prstGeom prst="rect">
+            <a:avLst/>
+          </a:prstGeom>
+        </p:spPr>
+      </p:pic>
+    </p:spTree>
+  </p:cSld>
+  <p:clrMapOvr>
+    <a:masterClrMapping/>
+  </p:clrMapOvr>
+</p:sld>
+</file>
+
 <file path=ppt/theme/theme1.xml><?xml version="1.0" encoding="utf-8"?>
 <a:theme xmlns:a="http://schemas.openxmlformats.org/drawingml/2006/main" name="Office Theme">
   <a:themeElements>

--- a/docs/res/Notes.pptx
+++ b/docs/res/Notes.pptx
@@ -3785,8 +3785,10 @@
       <p:grpSpPr/>
       <p:pic>
         <p:nvPicPr>
-          <p:cNvPr id="2" name="Picture 1"/>
-          <p:cNvPicPr/>
+          <p:cNvPr id="11" name="Picture 10"/>
+          <p:cNvPicPr>
+            <a:picLocks noChangeAspect="1"/>
+          </p:cNvPicPr>
           <p:nvPr/>
         </p:nvPicPr>
         <p:blipFill>
@@ -3797,22 +3799,20 @@
         </p:blipFill>
         <p:spPr>
           <a:xfrm>
-            <a:off x="343535" y="870585"/>
-            <a:ext cx="3164840" cy="5622925"/>
+            <a:off x="4175125" y="870585"/>
+            <a:ext cx="3165475" cy="5623560"/>
           </a:xfrm>
           <a:prstGeom prst="rect">
             <a:avLst/>
           </a:prstGeom>
-          <a:noFill/>
-          <a:ln w="9525">
-            <a:noFill/>
-          </a:ln>
         </p:spPr>
       </p:pic>
       <p:pic>
         <p:nvPicPr>
-          <p:cNvPr id="100" name="Picture 99"/>
-          <p:cNvPicPr/>
+          <p:cNvPr id="7" name="Picture 6"/>
+          <p:cNvPicPr>
+            <a:picLocks noChangeAspect="1"/>
+          </p:cNvPicPr>
           <p:nvPr/>
         </p:nvPicPr>
         <p:blipFill>
@@ -3823,16 +3823,12 @@
         </p:blipFill>
         <p:spPr>
           <a:xfrm>
-            <a:off x="4175125" y="871855"/>
-            <a:ext cx="3164840" cy="5622925"/>
+            <a:off x="343535" y="870585"/>
+            <a:ext cx="3165475" cy="5623560"/>
           </a:xfrm>
           <a:prstGeom prst="rect">
             <a:avLst/>
           </a:prstGeom>
-          <a:noFill/>
-          <a:ln w="9525">
-            <a:noFill/>
-          </a:ln>
         </p:spPr>
       </p:pic>
       <p:sp>
@@ -3964,7 +3960,7 @@
             <a:pPr algn="l"/>
             <a:r>
               <a:rPr lang="en-US"/>
-              <a:t>UTS</a:t>
+              <a:t>UTS Susulan</a:t>
             </a:r>
             <a:endParaRPr lang="en-US"/>
           </a:p>
@@ -4043,7 +4039,7 @@
       </p:pic>
       <p:pic>
         <p:nvPicPr>
-          <p:cNvPr id="8" name="Picture 7"/>
+          <p:cNvPr id="13" name="Picture 12"/>
           <p:cNvPicPr>
             <a:picLocks noChangeAspect="1"/>
           </p:cNvPicPr>
@@ -4064,7 +4060,6 @@
                 </a:srgbClr>
               </a:clrTo>
             </a:clrChange>
-            <a:biLevel thresh="50000"/>
           </a:blip>
           <a:stretch>
             <a:fillRect/>
@@ -4072,17 +4067,75 @@
         </p:blipFill>
         <p:spPr>
           <a:xfrm>
-            <a:off x="4697095" y="1829435"/>
-            <a:ext cx="933450" cy="803275"/>
+            <a:off x="4833620" y="2372995"/>
+            <a:ext cx="354330" cy="304165"/>
           </a:xfrm>
           <a:prstGeom prst="rect">
             <a:avLst/>
           </a:prstGeom>
         </p:spPr>
       </p:pic>
+      <p:sp>
+        <p:nvSpPr>
+          <p:cNvPr id="14" name="Text Box 13"/>
+          <p:cNvSpPr txBox="1"/>
+          <p:nvPr/>
+        </p:nvSpPr>
+        <p:spPr>
+          <a:xfrm>
+            <a:off x="4759325" y="2650490"/>
+            <a:ext cx="530225" cy="287020"/>
+          </a:xfrm>
+          <a:prstGeom prst="rect">
+            <a:avLst/>
+          </a:prstGeom>
+          <a:noFill/>
+        </p:spPr>
+        <p:txBody>
+          <a:bodyPr wrap="square" rtlCol="0">
+            <a:noAutofit/>
+          </a:bodyPr>
+          <a:p>
+            <a:r>
+              <a:rPr lang="en-US" sz="1200"/>
+              <a:t>Send</a:t>
+            </a:r>
+            <a:endParaRPr lang="en-US" sz="1200"/>
+          </a:p>
+        </p:txBody>
+      </p:sp>
+      <p:sp>
+        <p:nvSpPr>
+          <p:cNvPr id="16" name="Text Box 15"/>
+          <p:cNvSpPr txBox="1"/>
+          <p:nvPr/>
+        </p:nvSpPr>
+        <p:spPr>
+          <a:xfrm>
+            <a:off x="6105525" y="2650490"/>
+            <a:ext cx="530225" cy="287020"/>
+          </a:xfrm>
+          <a:prstGeom prst="rect">
+            <a:avLst/>
+          </a:prstGeom>
+          <a:noFill/>
+        </p:spPr>
+        <p:txBody>
+          <a:bodyPr wrap="square" rtlCol="0">
+            <a:noAutofit/>
+          </a:bodyPr>
+          <a:p>
+            <a:r>
+              <a:rPr lang="en-US" sz="1200"/>
+              <a:t>Send</a:t>
+            </a:r>
+            <a:endParaRPr lang="en-US" sz="1200"/>
+          </a:p>
+        </p:txBody>
+      </p:sp>
       <p:pic>
         <p:nvPicPr>
-          <p:cNvPr id="9" name="Picture 8"/>
+          <p:cNvPr id="17" name="Picture 16"/>
           <p:cNvPicPr>
             <a:picLocks noChangeAspect="1"/>
           </p:cNvPicPr>
@@ -4103,87 +4156,6 @@
                 </a:srgbClr>
               </a:clrTo>
             </a:clrChange>
-            <a:biLevel thresh="50000"/>
-          </a:blip>
-          <a:srcRect r="13027"/>
-          <a:stretch>
-            <a:fillRect/>
-          </a:stretch>
-        </p:blipFill>
-        <p:spPr>
-          <a:xfrm>
-            <a:off x="5909945" y="1813560"/>
-            <a:ext cx="720725" cy="828675"/>
-          </a:xfrm>
-          <a:prstGeom prst="rect">
-            <a:avLst/>
-          </a:prstGeom>
-        </p:spPr>
-      </p:pic>
-      <p:pic>
-        <p:nvPicPr>
-          <p:cNvPr id="10" name="Picture 9"/>
-          <p:cNvPicPr>
-            <a:picLocks noChangeAspect="1"/>
-          </p:cNvPicPr>
-          <p:nvPr/>
-        </p:nvPicPr>
-        <p:blipFill>
-          <a:blip r:embed="rId5">
-            <a:clrChange>
-              <a:clrFrom>
-                <a:srgbClr val="FFFFFF">
-                  <a:alpha val="100000"/>
-                </a:srgbClr>
-              </a:clrFrom>
-              <a:clrTo>
-                <a:srgbClr val="FFFFFF">
-                  <a:alpha val="100000"/>
-                  <a:alpha val="0"/>
-                </a:srgbClr>
-              </a:clrTo>
-            </a:clrChange>
-            <a:biLevel thresh="50000"/>
-          </a:blip>
-          <a:srcRect t="12263" b="12320"/>
-          <a:stretch>
-            <a:fillRect/>
-          </a:stretch>
-        </p:blipFill>
-        <p:spPr>
-          <a:xfrm>
-            <a:off x="4697095" y="2995295"/>
-            <a:ext cx="933450" cy="831850"/>
-          </a:xfrm>
-          <a:prstGeom prst="rect">
-            <a:avLst/>
-          </a:prstGeom>
-        </p:spPr>
-      </p:pic>
-      <p:pic>
-        <p:nvPicPr>
-          <p:cNvPr id="15" name="Picture 14"/>
-          <p:cNvPicPr>
-            <a:picLocks noChangeAspect="1"/>
-          </p:cNvPicPr>
-          <p:nvPr/>
-        </p:nvPicPr>
-        <p:blipFill>
-          <a:blip r:embed="rId6">
-            <a:clrChange>
-              <a:clrFrom>
-                <a:srgbClr val="FFFFFF">
-                  <a:alpha val="100000"/>
-                </a:srgbClr>
-              </a:clrFrom>
-              <a:clrTo>
-                <a:srgbClr val="FFFFFF">
-                  <a:alpha val="100000"/>
-                  <a:alpha val="0"/>
-                </a:srgbClr>
-              </a:clrTo>
-            </a:clrChange>
-            <a:biLevel thresh="50000"/>
           </a:blip>
           <a:stretch>
             <a:fillRect/>
@@ -4191,14 +4163,68 @@
         </p:blipFill>
         <p:spPr>
           <a:xfrm>
-            <a:off x="5909945" y="2995295"/>
-            <a:ext cx="720725" cy="831850"/>
+            <a:off x="6181090" y="2325370"/>
+            <a:ext cx="338455" cy="356870"/>
           </a:xfrm>
           <a:prstGeom prst="rect">
             <a:avLst/>
           </a:prstGeom>
         </p:spPr>
       </p:pic>
+      <p:sp>
+        <p:nvSpPr>
+          <p:cNvPr id="4" name="Rounded Rectangle 3"/>
+          <p:cNvSpPr/>
+          <p:nvPr/>
+        </p:nvSpPr>
+        <p:spPr>
+          <a:xfrm>
+            <a:off x="4604385" y="1813560"/>
+            <a:ext cx="2158365" cy="337820"/>
+          </a:xfrm>
+          <a:prstGeom prst="roundRect">
+            <a:avLst/>
+          </a:prstGeom>
+          <a:solidFill>
+            <a:schemeClr val="bg1"/>
+          </a:solidFill>
+        </p:spPr>
+        <p:style>
+          <a:lnRef idx="2">
+            <a:schemeClr val="accent1">
+              <a:lumMod val="75000"/>
+            </a:schemeClr>
+          </a:lnRef>
+          <a:fillRef idx="1">
+            <a:schemeClr val="accent1"/>
+          </a:fillRef>
+          <a:effectRef idx="0">
+            <a:srgbClr val="FFFFFF"/>
+          </a:effectRef>
+          <a:fontRef idx="minor">
+            <a:schemeClr val="lt1"/>
+          </a:fontRef>
+        </p:style>
+        <p:txBody>
+          <a:bodyPr rtlCol="0" anchor="ctr"/>
+          <a:p>
+            <a:pPr algn="ctr"/>
+            <a:r>
+              <a:rPr lang="en-US">
+                <a:solidFill>
+                  <a:schemeClr val="tx1"/>
+                </a:solidFill>
+              </a:rPr>
+              <a:t>Kembali</a:t>
+            </a:r>
+            <a:endParaRPr lang="en-US">
+              <a:solidFill>
+                <a:schemeClr val="tx1"/>
+              </a:solidFill>
+            </a:endParaRPr>
+          </a:p>
+        </p:txBody>
+      </p:sp>
     </p:spTree>
   </p:cSld>
   <p:clrMapOvr>
